--- a/Trabalho 2/Apresentação/t2 - apresentação.pptx
+++ b/Trabalho 2/Apresentação/t2 - apresentação.pptx
@@ -262,7 +262,7 @@
           <a:p>
             <a:fld id="{FB209376-A5C9-4B5A-9731-C3A485FCB639}" type="datetimeFigureOut">
               <a:rPr lang="pt-BR" smtClean="0"/>
-              <a:t>03/05/2022</a:t>
+              <a:t>04/05/2022</a:t>
             </a:fld>
             <a:endParaRPr lang="pt-BR"/>
           </a:p>
@@ -793,7 +793,7 @@
             <a:fld id="{1D8BD707-D9CF-40AE-B4C6-C98DA3205C09}" type="datetimeFigureOut">
               <a:rPr lang="en-US" smtClean="0"/>
               <a:pPr/>
-              <a:t>5/3/2022</a:t>
+              <a:t>5/4/2022</a:t>
             </a:fld>
             <a:endParaRPr lang="en-US"/>
           </a:p>
@@ -958,7 +958,7 @@
             <a:fld id="{1D8BD707-D9CF-40AE-B4C6-C98DA3205C09}" type="datetimeFigureOut">
               <a:rPr lang="en-US" smtClean="0"/>
               <a:pPr/>
-              <a:t>5/3/2022</a:t>
+              <a:t>5/4/2022</a:t>
             </a:fld>
             <a:endParaRPr lang="en-US"/>
           </a:p>
@@ -1133,7 +1133,7 @@
             <a:fld id="{1D8BD707-D9CF-40AE-B4C6-C98DA3205C09}" type="datetimeFigureOut">
               <a:rPr lang="en-US" smtClean="0"/>
               <a:pPr/>
-              <a:t>5/3/2022</a:t>
+              <a:t>5/4/2022</a:t>
             </a:fld>
             <a:endParaRPr lang="en-US"/>
           </a:p>
@@ -1298,7 +1298,7 @@
             <a:fld id="{1D8BD707-D9CF-40AE-B4C6-C98DA3205C09}" type="datetimeFigureOut">
               <a:rPr lang="en-US" smtClean="0"/>
               <a:pPr/>
-              <a:t>5/3/2022</a:t>
+              <a:t>5/4/2022</a:t>
             </a:fld>
             <a:endParaRPr lang="en-US"/>
           </a:p>
@@ -1540,7 +1540,7 @@
             <a:fld id="{1D8BD707-D9CF-40AE-B4C6-C98DA3205C09}" type="datetimeFigureOut">
               <a:rPr lang="en-US" smtClean="0"/>
               <a:pPr/>
-              <a:t>5/3/2022</a:t>
+              <a:t>5/4/2022</a:t>
             </a:fld>
             <a:endParaRPr lang="en-US"/>
           </a:p>
@@ -1822,7 +1822,7 @@
             <a:fld id="{1D8BD707-D9CF-40AE-B4C6-C98DA3205C09}" type="datetimeFigureOut">
               <a:rPr lang="en-US" smtClean="0"/>
               <a:pPr/>
-              <a:t>5/3/2022</a:t>
+              <a:t>5/4/2022</a:t>
             </a:fld>
             <a:endParaRPr lang="en-US"/>
           </a:p>
@@ -2238,7 +2238,7 @@
             <a:fld id="{1D8BD707-D9CF-40AE-B4C6-C98DA3205C09}" type="datetimeFigureOut">
               <a:rPr lang="en-US" smtClean="0"/>
               <a:pPr/>
-              <a:t>5/3/2022</a:t>
+              <a:t>5/4/2022</a:t>
             </a:fld>
             <a:endParaRPr lang="en-US"/>
           </a:p>
@@ -2352,7 +2352,7 @@
             <a:fld id="{1D8BD707-D9CF-40AE-B4C6-C98DA3205C09}" type="datetimeFigureOut">
               <a:rPr lang="en-US" smtClean="0"/>
               <a:pPr/>
-              <a:t>5/3/2022</a:t>
+              <a:t>5/4/2022</a:t>
             </a:fld>
             <a:endParaRPr lang="en-US"/>
           </a:p>
@@ -2444,7 +2444,7 @@
             <a:fld id="{1D8BD707-D9CF-40AE-B4C6-C98DA3205C09}" type="datetimeFigureOut">
               <a:rPr lang="en-US" smtClean="0"/>
               <a:pPr/>
-              <a:t>5/3/2022</a:t>
+              <a:t>5/4/2022</a:t>
             </a:fld>
             <a:endParaRPr lang="en-US"/>
           </a:p>
@@ -2716,7 +2716,7 @@
             <a:fld id="{1D8BD707-D9CF-40AE-B4C6-C98DA3205C09}" type="datetimeFigureOut">
               <a:rPr lang="en-US" smtClean="0"/>
               <a:pPr/>
-              <a:t>5/3/2022</a:t>
+              <a:t>5/4/2022</a:t>
             </a:fld>
             <a:endParaRPr lang="en-US"/>
           </a:p>
@@ -2965,7 +2965,7 @@
             <a:fld id="{1D8BD707-D9CF-40AE-B4C6-C98DA3205C09}" type="datetimeFigureOut">
               <a:rPr lang="en-US" smtClean="0"/>
               <a:pPr/>
-              <a:t>5/3/2022</a:t>
+              <a:t>5/4/2022</a:t>
             </a:fld>
             <a:endParaRPr lang="en-US"/>
           </a:p>
@@ -3173,7 +3173,7 @@
             <a:fld id="{1D8BD707-D9CF-40AE-B4C6-C98DA3205C09}" type="datetimeFigureOut">
               <a:rPr lang="en-US" smtClean="0"/>
               <a:pPr/>
-              <a:t>5/3/2022</a:t>
+              <a:t>5/4/2022</a:t>
             </a:fld>
             <a:endParaRPr lang="en-US"/>
           </a:p>
@@ -3883,7 +3883,7 @@
                 </a:solidFill>
                 <a:latin typeface="Nourd Light"/>
               </a:rPr>
-              <a:t>01/33</a:t>
+              <a:t>01/26</a:t>
             </a:r>
           </a:p>
         </p:txBody>
@@ -4178,7 +4178,7 @@
                 </a:solidFill>
                 <a:latin typeface="Klein"/>
               </a:rPr>
-              <a:t>05/33</a:t>
+              <a:t>10/26</a:t>
             </a:r>
           </a:p>
         </p:txBody>
@@ -4474,7 +4474,7 @@
                 </a:solidFill>
                 <a:latin typeface="Klein"/>
               </a:rPr>
-              <a:t>05/33</a:t>
+              <a:t>11/26</a:t>
             </a:r>
           </a:p>
         </p:txBody>
@@ -4700,7 +4700,7 @@
                 </a:solidFill>
                 <a:latin typeface="Klein"/>
               </a:rPr>
-              <a:t>06/33</a:t>
+              <a:t>12/26</a:t>
             </a:r>
           </a:p>
         </p:txBody>
@@ -5116,7 +5116,7 @@
                 </a:solidFill>
                 <a:latin typeface="Klein"/>
               </a:rPr>
-              <a:t>06/33</a:t>
+              <a:t>13/26</a:t>
             </a:r>
           </a:p>
         </p:txBody>
@@ -5522,7 +5522,7 @@
                 </a:solidFill>
                 <a:latin typeface="Klein"/>
               </a:rPr>
-              <a:t>06/33</a:t>
+              <a:t>14/26</a:t>
             </a:r>
           </a:p>
         </p:txBody>
@@ -6952,7 +6952,7 @@
                 </a:solidFill>
                 <a:latin typeface="Klein"/>
               </a:rPr>
-              <a:t>09/33</a:t>
+              <a:t>15/26</a:t>
             </a:r>
           </a:p>
         </p:txBody>
@@ -7584,7 +7584,7 @@
                 </a:solidFill>
                 <a:latin typeface="Klein"/>
               </a:rPr>
-              <a:t>10/33</a:t>
+              <a:t>16/26</a:t>
             </a:r>
           </a:p>
         </p:txBody>
@@ -7813,7 +7813,7 @@
                 </a:solidFill>
                 <a:latin typeface="Klein"/>
               </a:rPr>
-              <a:t>11/33</a:t>
+              <a:t>1726</a:t>
             </a:r>
           </a:p>
         </p:txBody>
@@ -8154,7 +8154,7 @@
                 </a:solidFill>
                 <a:latin typeface="Klein"/>
               </a:rPr>
-              <a:t>12/33</a:t>
+              <a:t>18/26</a:t>
             </a:r>
           </a:p>
         </p:txBody>
@@ -8711,7 +8711,7 @@
                 </a:solidFill>
                 <a:latin typeface="Klein"/>
               </a:rPr>
-              <a:t>13/33</a:t>
+              <a:t>19/26</a:t>
             </a:r>
           </a:p>
         </p:txBody>
@@ -15362,7 +15362,7 @@
                 </a:solidFill>
                 <a:latin typeface="Klein"/>
               </a:rPr>
-              <a:t>02/33</a:t>
+              <a:t>02/26</a:t>
             </a:r>
           </a:p>
         </p:txBody>
@@ -15901,7 +15901,7 @@
                 </a:solidFill>
                 <a:latin typeface="Klein"/>
               </a:rPr>
-              <a:t>14/33</a:t>
+              <a:t>20/26</a:t>
             </a:r>
           </a:p>
         </p:txBody>
@@ -22745,7 +22745,7 @@
                 </a:solidFill>
                 <a:latin typeface="Klein"/>
               </a:rPr>
-              <a:t>29/33</a:t>
+              <a:t>21/26</a:t>
             </a:r>
           </a:p>
         </p:txBody>
@@ -28479,7 +28479,7 @@
                 </a:solidFill>
                 <a:latin typeface="Klein"/>
               </a:rPr>
-              <a:t>30/33</a:t>
+              <a:t>22/26</a:t>
             </a:r>
           </a:p>
         </p:txBody>
@@ -34155,7 +34155,7 @@
                 </a:solidFill>
                 <a:latin typeface="Klein"/>
               </a:rPr>
-              <a:t>Experança</a:t>
+              <a:t>Esperança</a:t>
             </a:r>
             <a:r>
               <a:rPr lang="en-US" sz="9000" dirty="0">
@@ -34379,7 +34379,7 @@
                 </a:solidFill>
                 <a:latin typeface="Klein"/>
               </a:rPr>
-              <a:t>15/33</a:t>
+              <a:t>23/26</a:t>
             </a:r>
           </a:p>
         </p:txBody>
@@ -34512,7 +34512,7 @@
                 </a:solidFill>
                 <a:latin typeface="Klein"/>
               </a:rPr>
-              <a:t>16/33</a:t>
+              <a:t>24/26</a:t>
             </a:r>
           </a:p>
         </p:txBody>
@@ -34717,7 +34717,7 @@
                 </a:solidFill>
                 <a:latin typeface="Klein"/>
               </a:rPr>
-              <a:t>17/33</a:t>
+              <a:t>25/26</a:t>
             </a:r>
           </a:p>
         </p:txBody>
@@ -35078,7 +35078,7 @@
                 </a:solidFill>
                 <a:latin typeface="Klein"/>
               </a:rPr>
-              <a:t>02/33</a:t>
+              <a:t>26/26</a:t>
             </a:r>
           </a:p>
         </p:txBody>
@@ -35602,7 +35602,7 @@
                 </a:solidFill>
                 <a:latin typeface="Klein"/>
               </a:rPr>
-              <a:t>02/33</a:t>
+              <a:t>03/26</a:t>
             </a:r>
           </a:p>
         </p:txBody>
@@ -36405,7 +36405,7 @@
                 </a:solidFill>
                 <a:latin typeface="Klein"/>
               </a:rPr>
-              <a:t>03/33</a:t>
+              <a:t>04/26</a:t>
             </a:r>
           </a:p>
         </p:txBody>
@@ -36638,7 +36638,7 @@
                 </a:solidFill>
                 <a:latin typeface="Klein"/>
               </a:rPr>
-              <a:t>04/33</a:t>
+              <a:t>05/26</a:t>
             </a:r>
           </a:p>
         </p:txBody>
@@ -37022,7 +37022,7 @@
                 </a:solidFill>
                 <a:latin typeface="Klein"/>
               </a:rPr>
-              <a:t>04/33</a:t>
+              <a:t>06/26</a:t>
             </a:r>
           </a:p>
         </p:txBody>
@@ -37248,7 +37248,7 @@
                 </a:solidFill>
                 <a:latin typeface="Klein"/>
               </a:rPr>
-              <a:t>04/33</a:t>
+              <a:t>07/26</a:t>
             </a:r>
           </a:p>
         </p:txBody>
@@ -37474,7 +37474,7 @@
                 </a:solidFill>
                 <a:latin typeface="Klein"/>
               </a:rPr>
-              <a:t>04/33</a:t>
+              <a:t>08/26</a:t>
             </a:r>
           </a:p>
         </p:txBody>
@@ -37770,7 +37770,7 @@
                 </a:solidFill>
                 <a:latin typeface="Klein"/>
               </a:rPr>
-              <a:t>05/33</a:t>
+              <a:t>09/26</a:t>
             </a:r>
           </a:p>
         </p:txBody>
